--- a/Презентация.pptx
+++ b/Презентация.pptx
@@ -6,16 +6,13 @@
   </p:sldMasterIdLst>
   <p:sldIdLst>
     <p:sldId id="256" r:id="rId2"/>
-    <p:sldId id="257" r:id="rId3"/>
-    <p:sldId id="258" r:id="rId4"/>
+    <p:sldId id="258" r:id="rId3"/>
+    <p:sldId id="257" r:id="rId4"/>
     <p:sldId id="259" r:id="rId5"/>
     <p:sldId id="260" r:id="rId6"/>
     <p:sldId id="261" r:id="rId7"/>
-    <p:sldId id="262" r:id="rId8"/>
-    <p:sldId id="263" r:id="rId9"/>
-    <p:sldId id="264" r:id="rId10"/>
-    <p:sldId id="265" r:id="rId11"/>
-    <p:sldId id="266" r:id="rId12"/>
+    <p:sldId id="268" r:id="rId8"/>
+    <p:sldId id="270" r:id="rId9"/>
   </p:sldIdLst>
   <p:sldSz cx="12192000" cy="6858000"/>
   <p:notesSz cx="6858000" cy="9144000"/>
@@ -114,6 +111,11 @@
       </a:defRPr>
     </a:lvl9pPr>
   </p:defaultTextStyle>
+  <p:extLst>
+    <p:ext uri="{EFAFB233-063F-42B5-8137-9DF3F51BA10A}">
+      <p15:sldGuideLst xmlns:p15="http://schemas.microsoft.com/office/powerpoint/2012/main"/>
+    </p:ext>
+  </p:extLst>
 </p:presentation>
 </file>
 
@@ -264,7 +266,7 @@
           <a:p>
             <a:fld id="{ECB9D037-7430-4A5E-A587-F0CEA7B2468F}" type="datetimeFigureOut">
               <a:rPr lang="ru-RU" smtClean="0"/>
-              <a:t>23.04.2023</a:t>
+              <a:t>28.05.2023</a:t>
             </a:fld>
             <a:endParaRPr lang="ru-RU"/>
           </a:p>
@@ -462,7 +464,7 @@
           <a:p>
             <a:fld id="{ECB9D037-7430-4A5E-A587-F0CEA7B2468F}" type="datetimeFigureOut">
               <a:rPr lang="ru-RU" smtClean="0"/>
-              <a:t>23.04.2023</a:t>
+              <a:t>28.05.2023</a:t>
             </a:fld>
             <a:endParaRPr lang="ru-RU"/>
           </a:p>
@@ -670,7 +672,7 @@
           <a:p>
             <a:fld id="{ECB9D037-7430-4A5E-A587-F0CEA7B2468F}" type="datetimeFigureOut">
               <a:rPr lang="ru-RU" smtClean="0"/>
-              <a:t>23.04.2023</a:t>
+              <a:t>28.05.2023</a:t>
             </a:fld>
             <a:endParaRPr lang="ru-RU"/>
           </a:p>
@@ -868,7 +870,7 @@
           <a:p>
             <a:fld id="{ECB9D037-7430-4A5E-A587-F0CEA7B2468F}" type="datetimeFigureOut">
               <a:rPr lang="ru-RU" smtClean="0"/>
-              <a:t>23.04.2023</a:t>
+              <a:t>28.05.2023</a:t>
             </a:fld>
             <a:endParaRPr lang="ru-RU"/>
           </a:p>
@@ -1143,7 +1145,7 @@
           <a:p>
             <a:fld id="{ECB9D037-7430-4A5E-A587-F0CEA7B2468F}" type="datetimeFigureOut">
               <a:rPr lang="ru-RU" smtClean="0"/>
-              <a:t>23.04.2023</a:t>
+              <a:t>28.05.2023</a:t>
             </a:fld>
             <a:endParaRPr lang="ru-RU"/>
           </a:p>
@@ -1408,7 +1410,7 @@
           <a:p>
             <a:fld id="{ECB9D037-7430-4A5E-A587-F0CEA7B2468F}" type="datetimeFigureOut">
               <a:rPr lang="ru-RU" smtClean="0"/>
-              <a:t>23.04.2023</a:t>
+              <a:t>28.05.2023</a:t>
             </a:fld>
             <a:endParaRPr lang="ru-RU"/>
           </a:p>
@@ -1820,7 +1822,7 @@
           <a:p>
             <a:fld id="{ECB9D037-7430-4A5E-A587-F0CEA7B2468F}" type="datetimeFigureOut">
               <a:rPr lang="ru-RU" smtClean="0"/>
-              <a:t>23.04.2023</a:t>
+              <a:t>28.05.2023</a:t>
             </a:fld>
             <a:endParaRPr lang="ru-RU"/>
           </a:p>
@@ -1961,7 +1963,7 @@
           <a:p>
             <a:fld id="{ECB9D037-7430-4A5E-A587-F0CEA7B2468F}" type="datetimeFigureOut">
               <a:rPr lang="ru-RU" smtClean="0"/>
-              <a:t>23.04.2023</a:t>
+              <a:t>28.05.2023</a:t>
             </a:fld>
             <a:endParaRPr lang="ru-RU"/>
           </a:p>
@@ -2074,7 +2076,7 @@
           <a:p>
             <a:fld id="{ECB9D037-7430-4A5E-A587-F0CEA7B2468F}" type="datetimeFigureOut">
               <a:rPr lang="ru-RU" smtClean="0"/>
-              <a:t>23.04.2023</a:t>
+              <a:t>28.05.2023</a:t>
             </a:fld>
             <a:endParaRPr lang="ru-RU"/>
           </a:p>
@@ -2385,7 +2387,7 @@
           <a:p>
             <a:fld id="{ECB9D037-7430-4A5E-A587-F0CEA7B2468F}" type="datetimeFigureOut">
               <a:rPr lang="ru-RU" smtClean="0"/>
-              <a:t>23.04.2023</a:t>
+              <a:t>28.05.2023</a:t>
             </a:fld>
             <a:endParaRPr lang="ru-RU"/>
           </a:p>
@@ -2673,7 +2675,7 @@
           <a:p>
             <a:fld id="{ECB9D037-7430-4A5E-A587-F0CEA7B2468F}" type="datetimeFigureOut">
               <a:rPr lang="ru-RU" smtClean="0"/>
-              <a:t>23.04.2023</a:t>
+              <a:t>28.05.2023</a:t>
             </a:fld>
             <a:endParaRPr lang="ru-RU"/>
           </a:p>
@@ -2914,7 +2916,7 @@
           <a:p>
             <a:fld id="{ECB9D037-7430-4A5E-A587-F0CEA7B2468F}" type="datetimeFigureOut">
               <a:rPr lang="ru-RU" smtClean="0"/>
-              <a:t>23.04.2023</a:t>
+              <a:t>28.05.2023</a:t>
             </a:fld>
             <a:endParaRPr lang="ru-RU"/>
           </a:p>
@@ -3345,7 +3347,7 @@
         </p:nvSpPr>
         <p:spPr>
           <a:xfrm>
-            <a:off x="2015181" y="376881"/>
+            <a:off x="2015180" y="1613623"/>
             <a:ext cx="8161638" cy="1446550"/>
           </a:xfrm>
           <a:prstGeom prst="rect">
@@ -3385,7 +3387,7 @@
         </p:nvSpPr>
         <p:spPr>
           <a:xfrm>
-            <a:off x="7574691" y="5563967"/>
+            <a:off x="7648832" y="5104129"/>
             <a:ext cx="4232189" cy="923330"/>
           </a:xfrm>
           <a:prstGeom prst="rect">
@@ -3452,7 +3454,7 @@
         </p:blipFill>
         <p:spPr>
           <a:xfrm>
-            <a:off x="3114888" y="2484075"/>
+            <a:off x="3114888" y="3214280"/>
             <a:ext cx="5962223" cy="1889849"/>
           </a:xfrm>
           <a:prstGeom prst="rect">
@@ -3460,235 +3462,91 @@
           </a:prstGeom>
         </p:spPr>
       </p:pic>
+      <p:sp>
+        <p:nvSpPr>
+          <p:cNvPr id="6" name="TextBox 5">
+            <a:extLst>
+              <a:ext uri="{FF2B5EF4-FFF2-40B4-BE49-F238E27FC236}">
+                <a16:creationId xmlns:a16="http://schemas.microsoft.com/office/drawing/2014/main" id="{FA091650-727B-49AE-AB74-0F1A2584E2AA}"/>
+              </a:ext>
+            </a:extLst>
+          </p:cNvPr>
+          <p:cNvSpPr txBox="1"/>
+          <p:nvPr/>
+        </p:nvSpPr>
+        <p:spPr>
+          <a:xfrm>
+            <a:off x="3048548" y="370703"/>
+            <a:ext cx="6094902" cy="923330"/>
+          </a:xfrm>
+          <a:prstGeom prst="rect">
+            <a:avLst/>
+          </a:prstGeom>
+          <a:noFill/>
+        </p:spPr>
+        <p:txBody>
+          <a:bodyPr wrap="square">
+            <a:spAutoFit/>
+          </a:bodyPr>
+          <a:lstStyle/>
+          <a:p>
+            <a:pPr algn="ctr"/>
+            <a:r>
+              <a:rPr lang="ru-RU" b="0" i="0" dirty="0">
+                <a:effectLst/>
+                <a:latin typeface="Times New Roman" panose="02020603050405020304" pitchFamily="18" charset="0"/>
+                <a:cs typeface="Times New Roman" panose="02020603050405020304" pitchFamily="18" charset="0"/>
+              </a:rPr>
+              <a:t>Министерство образования Новосибирской области ГБПОУ НСО «Новосибирский авиационный технический колледж имени Б. С. Галущака»</a:t>
+            </a:r>
+            <a:endParaRPr lang="ru-RU" dirty="0">
+              <a:latin typeface="Times New Roman" panose="02020603050405020304" pitchFamily="18" charset="0"/>
+              <a:cs typeface="Times New Roman" panose="02020603050405020304" pitchFamily="18" charset="0"/>
+            </a:endParaRPr>
+          </a:p>
+        </p:txBody>
+      </p:sp>
+      <p:sp>
+        <p:nvSpPr>
+          <p:cNvPr id="3" name="TextBox 2">
+            <a:extLst>
+              <a:ext uri="{FF2B5EF4-FFF2-40B4-BE49-F238E27FC236}">
+                <a16:creationId xmlns:a16="http://schemas.microsoft.com/office/drawing/2014/main" id="{6A7FE587-CE74-4E6A-9F2B-4E11ACC1803D}"/>
+              </a:ext>
+            </a:extLst>
+          </p:cNvPr>
+          <p:cNvSpPr txBox="1"/>
+          <p:nvPr/>
+        </p:nvSpPr>
+        <p:spPr>
+          <a:xfrm>
+            <a:off x="5771634" y="6302631"/>
+            <a:ext cx="648730" cy="369332"/>
+          </a:xfrm>
+          <a:prstGeom prst="rect">
+            <a:avLst/>
+          </a:prstGeom>
+          <a:noFill/>
+        </p:spPr>
+        <p:txBody>
+          <a:bodyPr wrap="square" rtlCol="0">
+            <a:spAutoFit/>
+          </a:bodyPr>
+          <a:lstStyle/>
+          <a:p>
+            <a:pPr algn="ctr"/>
+            <a:r>
+              <a:rPr lang="en-US" dirty="0"/>
+              <a:t>2023</a:t>
+            </a:r>
+            <a:endParaRPr lang="ru-RU" dirty="0"/>
+          </a:p>
+        </p:txBody>
+      </p:sp>
     </p:spTree>
     <p:extLst>
       <p:ext uri="{BB962C8B-B14F-4D97-AF65-F5344CB8AC3E}">
         <p14:creationId xmlns:p14="http://schemas.microsoft.com/office/powerpoint/2010/main" val="2832703610"/>
-      </p:ext>
-    </p:extLst>
-  </p:cSld>
-  <p:clrMapOvr>
-    <a:masterClrMapping/>
-  </p:clrMapOvr>
-</p:sld>
-</file>
-
-<file path=ppt/slides/slide10.xml><?xml version="1.0" encoding="utf-8"?>
-<p:sld xmlns:a="http://schemas.openxmlformats.org/drawingml/2006/main" xmlns:r="http://schemas.openxmlformats.org/officeDocument/2006/relationships" xmlns:p="http://schemas.openxmlformats.org/presentationml/2006/main">
-  <p:cSld>
-    <p:spTree>
-      <p:nvGrpSpPr>
-        <p:cNvPr id="1" name=""/>
-        <p:cNvGrpSpPr/>
-        <p:nvPr/>
-      </p:nvGrpSpPr>
-      <p:grpSpPr>
-        <a:xfrm>
-          <a:off x="0" y="0"/>
-          <a:ext cx="0" cy="0"/>
-          <a:chOff x="0" y="0"/>
-          <a:chExt cx="0" cy="0"/>
-        </a:xfrm>
-      </p:grpSpPr>
-      <p:sp>
-        <p:nvSpPr>
-          <p:cNvPr id="2" name="Заголовок 1">
-            <a:extLst>
-              <a:ext uri="{FF2B5EF4-FFF2-40B4-BE49-F238E27FC236}">
-                <a16:creationId xmlns:a16="http://schemas.microsoft.com/office/drawing/2014/main" id="{B4C74FBA-F0E9-4BBA-BA8E-462E11361E3B}"/>
-              </a:ext>
-            </a:extLst>
-          </p:cNvPr>
-          <p:cNvSpPr>
-            <a:spLocks noGrp="1"/>
-          </p:cNvSpPr>
-          <p:nvPr>
-            <p:ph type="title"/>
-          </p:nvPr>
-        </p:nvSpPr>
-        <p:spPr/>
-        <p:txBody>
-          <a:bodyPr/>
-          <a:lstStyle/>
-          <a:p>
-            <a:r>
-              <a:rPr lang="ru-RU" dirty="0">
-                <a:latin typeface="Times New Roman" panose="02020603050405020304" pitchFamily="18" charset="0"/>
-                <a:cs typeface="Times New Roman" panose="02020603050405020304" pitchFamily="18" charset="0"/>
-              </a:rPr>
-              <a:t>Макет</a:t>
-            </a:r>
-          </a:p>
-        </p:txBody>
-      </p:sp>
-      <p:sp>
-        <p:nvSpPr>
-          <p:cNvPr id="3" name="Объект 2">
-            <a:extLst>
-              <a:ext uri="{FF2B5EF4-FFF2-40B4-BE49-F238E27FC236}">
-                <a16:creationId xmlns:a16="http://schemas.microsoft.com/office/drawing/2014/main" id="{488452AD-82D0-4009-97C5-5660E622B1F6}"/>
-              </a:ext>
-            </a:extLst>
-          </p:cNvPr>
-          <p:cNvSpPr>
-            <a:spLocks noGrp="1"/>
-          </p:cNvSpPr>
-          <p:nvPr>
-            <p:ph idx="1"/>
-          </p:nvPr>
-        </p:nvSpPr>
-        <p:spPr/>
-        <p:txBody>
-          <a:bodyPr/>
-          <a:lstStyle/>
-          <a:p>
-            <a:pPr marL="0" indent="0">
-              <a:buNone/>
-            </a:pPr>
-            <a:r>
-              <a:rPr lang="ru-RU" dirty="0"/>
-              <a:t>Экран профиля:</a:t>
-            </a:r>
-          </a:p>
-        </p:txBody>
-      </p:sp>
-      <p:pic>
-        <p:nvPicPr>
-          <p:cNvPr id="5" name="Рисунок 4">
-            <a:extLst>
-              <a:ext uri="{FF2B5EF4-FFF2-40B4-BE49-F238E27FC236}">
-                <a16:creationId xmlns:a16="http://schemas.microsoft.com/office/drawing/2014/main" id="{D2A337CE-3928-484B-B1FA-E154D5AD957F}"/>
-              </a:ext>
-            </a:extLst>
-          </p:cNvPr>
-          <p:cNvPicPr>
-            <a:picLocks noChangeAspect="1"/>
-          </p:cNvPicPr>
-          <p:nvPr/>
-        </p:nvPicPr>
-        <p:blipFill>
-          <a:blip r:embed="rId2">
-            <a:extLst>
-              <a:ext uri="{28A0092B-C50C-407E-A947-70E740481C1C}">
-                <a14:useLocalDpi xmlns:a14="http://schemas.microsoft.com/office/drawing/2010/main" val="0"/>
-              </a:ext>
-            </a:extLst>
-          </a:blip>
-          <a:stretch>
-            <a:fillRect/>
-          </a:stretch>
-        </p:blipFill>
-        <p:spPr>
-          <a:xfrm>
-            <a:off x="6733918" y="593124"/>
-            <a:ext cx="2552288" cy="5671751"/>
-          </a:xfrm>
-          <a:prstGeom prst="rect">
-            <a:avLst/>
-          </a:prstGeom>
-        </p:spPr>
-      </p:pic>
-    </p:spTree>
-    <p:extLst>
-      <p:ext uri="{BB962C8B-B14F-4D97-AF65-F5344CB8AC3E}">
-        <p14:creationId xmlns:p14="http://schemas.microsoft.com/office/powerpoint/2010/main" val="1234809109"/>
-      </p:ext>
-    </p:extLst>
-  </p:cSld>
-  <p:clrMapOvr>
-    <a:masterClrMapping/>
-  </p:clrMapOvr>
-</p:sld>
-</file>
-
-<file path=ppt/slides/slide11.xml><?xml version="1.0" encoding="utf-8"?>
-<p:sld xmlns:a="http://schemas.openxmlformats.org/drawingml/2006/main" xmlns:r="http://schemas.openxmlformats.org/officeDocument/2006/relationships" xmlns:p="http://schemas.openxmlformats.org/presentationml/2006/main">
-  <p:cSld>
-    <p:spTree>
-      <p:nvGrpSpPr>
-        <p:cNvPr id="1" name=""/>
-        <p:cNvGrpSpPr/>
-        <p:nvPr/>
-      </p:nvGrpSpPr>
-      <p:grpSpPr>
-        <a:xfrm>
-          <a:off x="0" y="0"/>
-          <a:ext cx="0" cy="0"/>
-          <a:chOff x="0" y="0"/>
-          <a:chExt cx="0" cy="0"/>
-        </a:xfrm>
-      </p:grpSpPr>
-      <p:sp>
-        <p:nvSpPr>
-          <p:cNvPr id="2" name="Заголовок 1">
-            <a:extLst>
-              <a:ext uri="{FF2B5EF4-FFF2-40B4-BE49-F238E27FC236}">
-                <a16:creationId xmlns:a16="http://schemas.microsoft.com/office/drawing/2014/main" id="{B4C74FBA-F0E9-4BBA-BA8E-462E11361E3B}"/>
-              </a:ext>
-            </a:extLst>
-          </p:cNvPr>
-          <p:cNvSpPr>
-            <a:spLocks noGrp="1"/>
-          </p:cNvSpPr>
-          <p:nvPr>
-            <p:ph type="title"/>
-          </p:nvPr>
-        </p:nvSpPr>
-        <p:spPr/>
-        <p:txBody>
-          <a:bodyPr/>
-          <a:lstStyle/>
-          <a:p>
-            <a:r>
-              <a:rPr lang="ru-RU" dirty="0">
-                <a:latin typeface="Times New Roman" panose="02020603050405020304" pitchFamily="18" charset="0"/>
-                <a:cs typeface="Times New Roman" panose="02020603050405020304" pitchFamily="18" charset="0"/>
-              </a:rPr>
-              <a:t>Спасибо за внимание</a:t>
-            </a:r>
-          </a:p>
-        </p:txBody>
-      </p:sp>
-      <p:pic>
-        <p:nvPicPr>
-          <p:cNvPr id="10" name="Рисунок 9">
-            <a:extLst>
-              <a:ext uri="{FF2B5EF4-FFF2-40B4-BE49-F238E27FC236}">
-                <a16:creationId xmlns:a16="http://schemas.microsoft.com/office/drawing/2014/main" id="{03C2C529-B5E1-4136-A202-AD1D8087270A}"/>
-              </a:ext>
-            </a:extLst>
-          </p:cNvPr>
-          <p:cNvPicPr>
-            <a:picLocks noChangeAspect="1"/>
-          </p:cNvPicPr>
-          <p:nvPr/>
-        </p:nvPicPr>
-        <p:blipFill>
-          <a:blip r:embed="rId2">
-            <a:extLst>
-              <a:ext uri="{28A0092B-C50C-407E-A947-70E740481C1C}">
-                <a14:useLocalDpi xmlns:a14="http://schemas.microsoft.com/office/drawing/2010/main" val="0"/>
-              </a:ext>
-            </a:extLst>
-          </a:blip>
-          <a:stretch>
-            <a:fillRect/>
-          </a:stretch>
-        </p:blipFill>
-        <p:spPr>
-          <a:xfrm>
-            <a:off x="4705350" y="2432737"/>
-            <a:ext cx="2781300" cy="2857500"/>
-          </a:xfrm>
-          <a:prstGeom prst="rect">
-            <a:avLst/>
-          </a:prstGeom>
-        </p:spPr>
-      </p:pic>
-    </p:spTree>
-    <p:extLst>
-      <p:ext uri="{BB962C8B-B14F-4D97-AF65-F5344CB8AC3E}">
-        <p14:creationId xmlns:p14="http://schemas.microsoft.com/office/powerpoint/2010/main" val="2228271838"/>
       </p:ext>
     </p:extLst>
   </p:cSld>
@@ -3720,7 +3578,7 @@
           <p:cNvPr id="2" name="Заголовок 1">
             <a:extLst>
               <a:ext uri="{FF2B5EF4-FFF2-40B4-BE49-F238E27FC236}">
-                <a16:creationId xmlns:a16="http://schemas.microsoft.com/office/drawing/2014/main" id="{B47B9345-776E-4929-A06D-13A17288C593}"/>
+                <a16:creationId xmlns:a16="http://schemas.microsoft.com/office/drawing/2014/main" id="{63F8251A-86DC-4540-B500-570B1FEE4EC2}"/>
               </a:ext>
             </a:extLst>
           </p:cNvPr>
@@ -3741,7 +3599,7 @@
                 <a:latin typeface="Times New Roman" panose="02020603050405020304" pitchFamily="18" charset="0"/>
                 <a:cs typeface="Times New Roman" panose="02020603050405020304" pitchFamily="18" charset="0"/>
               </a:rPr>
-              <a:t>Цель проекта</a:t>
+              <a:t>Актуальность</a:t>
             </a:r>
           </a:p>
         </p:txBody>
@@ -3751,7 +3609,7 @@
           <p:cNvPr id="3" name="Объект 2">
             <a:extLst>
               <a:ext uri="{FF2B5EF4-FFF2-40B4-BE49-F238E27FC236}">
-                <a16:creationId xmlns:a16="http://schemas.microsoft.com/office/drawing/2014/main" id="{7517D634-CBF7-455B-B370-5E881A2C9DE1}"/>
+                <a16:creationId xmlns:a16="http://schemas.microsoft.com/office/drawing/2014/main" id="{A1CDBBE6-8563-4270-AE00-F0ED7BD1DAC2}"/>
               </a:ext>
             </a:extLst>
           </p:cNvPr>
@@ -3762,25 +3620,82 @@
             <p:ph idx="1"/>
           </p:nvPr>
         </p:nvSpPr>
-        <p:spPr/>
-        <p:txBody>
-          <a:bodyPr/>
+        <p:spPr>
+          <a:xfrm>
+            <a:off x="838200" y="1825625"/>
+            <a:ext cx="4937650" cy="4351338"/>
+          </a:xfrm>
+        </p:spPr>
+        <p:txBody>
+          <a:bodyPr>
+            <a:normAutofit/>
+          </a:bodyPr>
           <a:lstStyle/>
           <a:p>
             <a:pPr marL="0" indent="0">
               <a:buNone/>
             </a:pPr>
             <a:r>
-              <a:rPr lang="ru-RU" dirty="0"/>
-              <a:t>Разработать мобильную версию видеохостинга с функцией загрузки и просмотра видеороликов.</a:t>
-            </a:r>
-          </a:p>
-        </p:txBody>
-      </p:sp>
+              <a:rPr lang="ru-RU" dirty="0">
+                <a:latin typeface="Times New Roman" panose="02020603050405020304" pitchFamily="18" charset="0"/>
+                <a:cs typeface="Times New Roman" panose="02020603050405020304" pitchFamily="18" charset="0"/>
+              </a:rPr>
+              <a:t>В силу нашей активной жизни короткий формат видео, доступный для просмотра на мобильных устройствах в любое свободное время приобретает огромную популярность.</a:t>
+            </a:r>
+          </a:p>
+        </p:txBody>
+      </p:sp>
+      <p:pic>
+        <p:nvPicPr>
+          <p:cNvPr id="1030" name="Picture 6" descr="Sprawdziliśmy jak wyglądają tredny na TikToku i naprawdę dobrze przy tym  się bawiliśmy - Noizz">
+            <a:extLst>
+              <a:ext uri="{FF2B5EF4-FFF2-40B4-BE49-F238E27FC236}">
+                <a16:creationId xmlns:a16="http://schemas.microsoft.com/office/drawing/2014/main" id="{09E9224D-EC77-4CCC-8655-9732B138754B}"/>
+              </a:ext>
+            </a:extLst>
+          </p:cNvPr>
+          <p:cNvPicPr>
+            <a:picLocks noChangeAspect="1" noChangeArrowheads="1"/>
+          </p:cNvPicPr>
+          <p:nvPr/>
+        </p:nvPicPr>
+        <p:blipFill>
+          <a:blip r:embed="rId2">
+            <a:extLst>
+              <a:ext uri="{28A0092B-C50C-407E-A947-70E740481C1C}">
+                <a14:useLocalDpi xmlns:a14="http://schemas.microsoft.com/office/drawing/2010/main" val="0"/>
+              </a:ext>
+            </a:extLst>
+          </a:blip>
+          <a:srcRect/>
+          <a:stretch>
+            <a:fillRect/>
+          </a:stretch>
+        </p:blipFill>
+        <p:spPr bwMode="auto">
+          <a:xfrm>
+            <a:off x="6096000" y="1928812"/>
+            <a:ext cx="5715000" cy="3000375"/>
+          </a:xfrm>
+          <a:prstGeom prst="rect">
+            <a:avLst/>
+          </a:prstGeom>
+          <a:noFill/>
+          <a:extLst>
+            <a:ext uri="{909E8E84-426E-40DD-AFC4-6F175D3DCCD1}">
+              <a14:hiddenFill xmlns:a14="http://schemas.microsoft.com/office/drawing/2010/main">
+                <a:solidFill>
+                  <a:srgbClr val="FFFFFF"/>
+                </a:solidFill>
+              </a14:hiddenFill>
+            </a:ext>
+          </a:extLst>
+        </p:spPr>
+      </p:pic>
     </p:spTree>
     <p:extLst>
       <p:ext uri="{BB962C8B-B14F-4D97-AF65-F5344CB8AC3E}">
-        <p14:creationId xmlns:p14="http://schemas.microsoft.com/office/powerpoint/2010/main" val="2167934339"/>
+        <p14:creationId xmlns:p14="http://schemas.microsoft.com/office/powerpoint/2010/main" val="128446998"/>
       </p:ext>
     </p:extLst>
   </p:cSld>
@@ -3812,7 +3727,7 @@
           <p:cNvPr id="2" name="Заголовок 1">
             <a:extLst>
               <a:ext uri="{FF2B5EF4-FFF2-40B4-BE49-F238E27FC236}">
-                <a16:creationId xmlns:a16="http://schemas.microsoft.com/office/drawing/2014/main" id="{63F8251A-86DC-4540-B500-570B1FEE4EC2}"/>
+                <a16:creationId xmlns:a16="http://schemas.microsoft.com/office/drawing/2014/main" id="{B47B9345-776E-4929-A06D-13A17288C593}"/>
               </a:ext>
             </a:extLst>
           </p:cNvPr>
@@ -3829,8 +3744,11 @@
           <a:lstStyle/>
           <a:p>
             <a:r>
-              <a:rPr lang="ru-RU" dirty="0"/>
-              <a:t>Актуальность</a:t>
+              <a:rPr lang="ru-RU" dirty="0">
+                <a:latin typeface="Times New Roman" panose="02020603050405020304" pitchFamily="18" charset="0"/>
+                <a:cs typeface="Times New Roman" panose="02020603050405020304" pitchFamily="18" charset="0"/>
+              </a:rPr>
+              <a:t>Цель проекта</a:t>
             </a:r>
           </a:p>
         </p:txBody>
@@ -3840,7 +3758,7 @@
           <p:cNvPr id="3" name="Объект 2">
             <a:extLst>
               <a:ext uri="{FF2B5EF4-FFF2-40B4-BE49-F238E27FC236}">
-                <a16:creationId xmlns:a16="http://schemas.microsoft.com/office/drawing/2014/main" id="{A1CDBBE6-8563-4270-AE00-F0ED7BD1DAC2}"/>
+                <a16:creationId xmlns:a16="http://schemas.microsoft.com/office/drawing/2014/main" id="{7517D634-CBF7-455B-B370-5E881A2C9DE1}"/>
               </a:ext>
             </a:extLst>
           </p:cNvPr>
@@ -3851,25 +3769,82 @@
             <p:ph idx="1"/>
           </p:nvPr>
         </p:nvSpPr>
-        <p:spPr/>
-        <p:txBody>
-          <a:bodyPr/>
+        <p:spPr>
+          <a:xfrm>
+            <a:off x="838200" y="1825625"/>
+            <a:ext cx="4529788" cy="3792343"/>
+          </a:xfrm>
+        </p:spPr>
+        <p:txBody>
+          <a:bodyPr>
+            <a:normAutofit/>
+          </a:bodyPr>
           <a:lstStyle/>
           <a:p>
             <a:pPr marL="0" indent="0">
               <a:buNone/>
             </a:pPr>
             <a:r>
-              <a:rPr lang="ru-RU" dirty="0"/>
-              <a:t>В наше время использование мобильных устройств для просмотра и обмена видеоконтентом стало неотъемлемой частью нашей жизни. Многие пользователи мобильных устройств предпочитают смотреть видео на своих смартфонах и планшетах в любое удобное для них время и место, будь то в пути на работу или в перерывах между занятиями.</a:t>
-            </a:r>
-          </a:p>
-        </p:txBody>
-      </p:sp>
+              <a:rPr lang="ru-RU" dirty="0">
+                <a:latin typeface="Times New Roman" panose="02020603050405020304" pitchFamily="18" charset="0"/>
+                <a:cs typeface="Times New Roman" panose="02020603050405020304" pitchFamily="18" charset="0"/>
+              </a:rPr>
+              <a:t>Мобильная версия видеохостинга разрабатывается с целью предоставить пользователям возможность загружать, просматривать и делиться видеороликами на своих мобильных устройствах.</a:t>
+            </a:r>
+          </a:p>
+        </p:txBody>
+      </p:sp>
+      <p:pic>
+        <p:nvPicPr>
+          <p:cNvPr id="2050" name="Picture 2" descr="7 способов скачать видео из Тик Ток через ПК, iOS и Android">
+            <a:extLst>
+              <a:ext uri="{FF2B5EF4-FFF2-40B4-BE49-F238E27FC236}">
+                <a16:creationId xmlns:a16="http://schemas.microsoft.com/office/drawing/2014/main" id="{04545130-926E-41B4-961F-C952B798E50F}"/>
+              </a:ext>
+            </a:extLst>
+          </p:cNvPr>
+          <p:cNvPicPr>
+            <a:picLocks noChangeAspect="1" noChangeArrowheads="1"/>
+          </p:cNvPicPr>
+          <p:nvPr/>
+        </p:nvPicPr>
+        <p:blipFill>
+          <a:blip r:embed="rId2">
+            <a:extLst>
+              <a:ext uri="{28A0092B-C50C-407E-A947-70E740481C1C}">
+                <a14:useLocalDpi xmlns:a14="http://schemas.microsoft.com/office/drawing/2010/main" val="0"/>
+              </a:ext>
+            </a:extLst>
+          </a:blip>
+          <a:srcRect/>
+          <a:stretch>
+            <a:fillRect/>
+          </a:stretch>
+        </p:blipFill>
+        <p:spPr bwMode="auto">
+          <a:xfrm>
+            <a:off x="5479273" y="1821810"/>
+            <a:ext cx="6428758" cy="3214379"/>
+          </a:xfrm>
+          <a:prstGeom prst="rect">
+            <a:avLst/>
+          </a:prstGeom>
+          <a:noFill/>
+          <a:extLst>
+            <a:ext uri="{909E8E84-426E-40DD-AFC4-6F175D3DCCD1}">
+              <a14:hiddenFill xmlns:a14="http://schemas.microsoft.com/office/drawing/2010/main">
+                <a:solidFill>
+                  <a:srgbClr val="FFFFFF"/>
+                </a:solidFill>
+              </a14:hiddenFill>
+            </a:ext>
+          </a:extLst>
+        </p:spPr>
+      </p:pic>
     </p:spTree>
     <p:extLst>
       <p:ext uri="{BB962C8B-B14F-4D97-AF65-F5344CB8AC3E}">
-        <p14:creationId xmlns:p14="http://schemas.microsoft.com/office/powerpoint/2010/main" val="128446998"/>
+        <p14:creationId xmlns:p14="http://schemas.microsoft.com/office/powerpoint/2010/main" val="2167934339"/>
       </p:ext>
     </p:extLst>
   </p:cSld>
@@ -3943,20 +3918,33 @@
             <p:ph idx="1"/>
           </p:nvPr>
         </p:nvSpPr>
-        <p:spPr/>
-        <p:txBody>
-          <a:bodyPr/>
+        <p:spPr>
+          <a:xfrm>
+            <a:off x="838200" y="1700670"/>
+            <a:ext cx="4598773" cy="4351338"/>
+          </a:xfrm>
+        </p:spPr>
+        <p:txBody>
+          <a:bodyPr>
+            <a:normAutofit lnSpcReduction="10000"/>
+          </a:bodyPr>
           <a:lstStyle/>
           <a:p>
             <a:pPr marL="0" indent="0">
               <a:buNone/>
             </a:pPr>
             <a:r>
-              <a:rPr lang="ru-RU" dirty="0"/>
-              <a:t>Приложение разработано в </a:t>
-            </a:r>
-            <a:r>
-              <a:rPr lang="en-US" dirty="0"/>
+              <a:rPr lang="ru-RU" dirty="0">
+                <a:latin typeface="Times New Roman" panose="02020603050405020304" pitchFamily="18" charset="0"/>
+                <a:cs typeface="Times New Roman" panose="02020603050405020304" pitchFamily="18" charset="0"/>
+              </a:rPr>
+              <a:t>Приложение разработано в программе </a:t>
+            </a:r>
+            <a:r>
+              <a:rPr lang="en-US" dirty="0">
+                <a:latin typeface="Times New Roman" panose="02020603050405020304" pitchFamily="18" charset="0"/>
+                <a:cs typeface="Times New Roman" panose="02020603050405020304" pitchFamily="18" charset="0"/>
+              </a:rPr>
               <a:t>Android Studio.</a:t>
             </a:r>
           </a:p>
@@ -3964,18 +3952,218 @@
             <a:pPr marL="0" indent="0">
               <a:buNone/>
             </a:pPr>
-            <a:r>
-              <a:rPr lang="ru-RU" dirty="0"/>
+            <a:endParaRPr lang="en-US" dirty="0">
+              <a:latin typeface="Times New Roman" panose="02020603050405020304" pitchFamily="18" charset="0"/>
+              <a:cs typeface="Times New Roman" panose="02020603050405020304" pitchFamily="18" charset="0"/>
+            </a:endParaRPr>
+          </a:p>
+          <a:p>
+            <a:pPr marL="0" indent="0">
+              <a:buNone/>
+            </a:pPr>
+            <a:r>
+              <a:rPr lang="ru-RU" dirty="0">
+                <a:latin typeface="Times New Roman" panose="02020603050405020304" pitchFamily="18" charset="0"/>
+                <a:cs typeface="Times New Roman" panose="02020603050405020304" pitchFamily="18" charset="0"/>
+              </a:rPr>
               <a:t>В качестве основного языка программирования выбран </a:t>
             </a:r>
             <a:r>
-              <a:rPr lang="en-US" dirty="0"/>
+              <a:rPr lang="en-US" dirty="0">
+                <a:latin typeface="Times New Roman" panose="02020603050405020304" pitchFamily="18" charset="0"/>
+                <a:cs typeface="Times New Roman" panose="02020603050405020304" pitchFamily="18" charset="0"/>
+              </a:rPr>
               <a:t>Kotlin.</a:t>
             </a:r>
-            <a:endParaRPr lang="ru-RU" dirty="0"/>
-          </a:p>
-        </p:txBody>
-      </p:sp>
+          </a:p>
+          <a:p>
+            <a:pPr marL="0" indent="0">
+              <a:buNone/>
+            </a:pPr>
+            <a:endParaRPr lang="ru-RU" dirty="0">
+              <a:latin typeface="Times New Roman" panose="02020603050405020304" pitchFamily="18" charset="0"/>
+              <a:cs typeface="Times New Roman" panose="02020603050405020304" pitchFamily="18" charset="0"/>
+            </a:endParaRPr>
+          </a:p>
+          <a:p>
+            <a:pPr marL="0" indent="0">
+              <a:buNone/>
+            </a:pPr>
+            <a:r>
+              <a:rPr lang="ru-RU" dirty="0">
+                <a:effectLst/>
+                <a:latin typeface="Times New Roman" panose="02020603050405020304" pitchFamily="18" charset="0"/>
+                <a:ea typeface="Calibri" panose="020F0502020204030204" pitchFamily="34" charset="0"/>
+                <a:cs typeface="Times New Roman" panose="02020603050405020304" pitchFamily="18" charset="0"/>
+              </a:rPr>
+              <a:t>Используемый сервис для базы данных и аутентификации – </a:t>
+            </a:r>
+            <a:r>
+              <a:rPr lang="en-US" dirty="0">
+                <a:effectLst/>
+                <a:latin typeface="Times New Roman" panose="02020603050405020304" pitchFamily="18" charset="0"/>
+                <a:ea typeface="Calibri" panose="020F0502020204030204" pitchFamily="34" charset="0"/>
+                <a:cs typeface="Times New Roman" panose="02020603050405020304" pitchFamily="18" charset="0"/>
+              </a:rPr>
+              <a:t>Firebase</a:t>
+            </a:r>
+            <a:r>
+              <a:rPr lang="ru-RU" dirty="0">
+                <a:effectLst/>
+                <a:latin typeface="Times New Roman" panose="02020603050405020304" pitchFamily="18" charset="0"/>
+                <a:ea typeface="Calibri" panose="020F0502020204030204" pitchFamily="34" charset="0"/>
+                <a:cs typeface="Times New Roman" panose="02020603050405020304" pitchFamily="18" charset="0"/>
+              </a:rPr>
+              <a:t>.</a:t>
+            </a:r>
+            <a:endParaRPr lang="ru-RU" sz="4000" dirty="0">
+              <a:latin typeface="Times New Roman" panose="02020603050405020304" pitchFamily="18" charset="0"/>
+              <a:cs typeface="Times New Roman" panose="02020603050405020304" pitchFamily="18" charset="0"/>
+            </a:endParaRPr>
+          </a:p>
+        </p:txBody>
+      </p:sp>
+      <p:pic>
+        <p:nvPicPr>
+          <p:cNvPr id="3074" name="Picture 2">
+            <a:extLst>
+              <a:ext uri="{FF2B5EF4-FFF2-40B4-BE49-F238E27FC236}">
+                <a16:creationId xmlns:a16="http://schemas.microsoft.com/office/drawing/2014/main" id="{F07820C8-4813-42ED-8187-8B628EEB6389}"/>
+              </a:ext>
+            </a:extLst>
+          </p:cNvPr>
+          <p:cNvPicPr>
+            <a:picLocks noChangeAspect="1" noChangeArrowheads="1"/>
+          </p:cNvPicPr>
+          <p:nvPr/>
+        </p:nvPicPr>
+        <p:blipFill>
+          <a:blip r:embed="rId2">
+            <a:extLst>
+              <a:ext uri="{28A0092B-C50C-407E-A947-70E740481C1C}">
+                <a14:useLocalDpi xmlns:a14="http://schemas.microsoft.com/office/drawing/2010/main" val="0"/>
+              </a:ext>
+            </a:extLst>
+          </a:blip>
+          <a:srcRect/>
+          <a:stretch>
+            <a:fillRect/>
+          </a:stretch>
+        </p:blipFill>
+        <p:spPr bwMode="auto">
+          <a:xfrm>
+            <a:off x="5586086" y="1391483"/>
+            <a:ext cx="1321253" cy="1426953"/>
+          </a:xfrm>
+          <a:prstGeom prst="rect">
+            <a:avLst/>
+          </a:prstGeom>
+          <a:noFill/>
+          <a:extLst>
+            <a:ext uri="{909E8E84-426E-40DD-AFC4-6F175D3DCCD1}">
+              <a14:hiddenFill xmlns:a14="http://schemas.microsoft.com/office/drawing/2010/main">
+                <a:solidFill>
+                  <a:srgbClr val="FFFFFF"/>
+                </a:solidFill>
+              </a14:hiddenFill>
+            </a:ext>
+          </a:extLst>
+        </p:spPr>
+      </p:pic>
+      <p:pic>
+        <p:nvPicPr>
+          <p:cNvPr id="3076" name="Picture 4" descr="Java Basics: What Is Kotlin? | JRebel &amp; XRebel by Perforce">
+            <a:extLst>
+              <a:ext uri="{FF2B5EF4-FFF2-40B4-BE49-F238E27FC236}">
+                <a16:creationId xmlns:a16="http://schemas.microsoft.com/office/drawing/2014/main" id="{91C626E4-50C5-42BB-AF85-44296C429A3C}"/>
+              </a:ext>
+            </a:extLst>
+          </p:cNvPr>
+          <p:cNvPicPr>
+            <a:picLocks noChangeAspect="1" noChangeArrowheads="1"/>
+          </p:cNvPicPr>
+          <p:nvPr/>
+        </p:nvPicPr>
+        <p:blipFill>
+          <a:blip r:embed="rId3">
+            <a:extLst>
+              <a:ext uri="{28A0092B-C50C-407E-A947-70E740481C1C}">
+                <a14:useLocalDpi xmlns:a14="http://schemas.microsoft.com/office/drawing/2010/main" val="0"/>
+              </a:ext>
+            </a:extLst>
+          </a:blip>
+          <a:srcRect/>
+          <a:stretch>
+            <a:fillRect/>
+          </a:stretch>
+        </p:blipFill>
+        <p:spPr bwMode="auto">
+          <a:xfrm>
+            <a:off x="7072807" y="2832893"/>
+            <a:ext cx="1788321" cy="1192214"/>
+          </a:xfrm>
+          <a:prstGeom prst="rect">
+            <a:avLst/>
+          </a:prstGeom>
+          <a:noFill/>
+          <a:extLst>
+            <a:ext uri="{909E8E84-426E-40DD-AFC4-6F175D3DCCD1}">
+              <a14:hiddenFill xmlns:a14="http://schemas.microsoft.com/office/drawing/2010/main">
+                <a:solidFill>
+                  <a:srgbClr val="FFFFFF"/>
+                </a:solidFill>
+              </a14:hiddenFill>
+            </a:ext>
+          </a:extLst>
+        </p:spPr>
+      </p:pic>
+      <p:pic>
+        <p:nvPicPr>
+          <p:cNvPr id="3078" name="Picture 6" descr="Firebase">
+            <a:extLst>
+              <a:ext uri="{FF2B5EF4-FFF2-40B4-BE49-F238E27FC236}">
+                <a16:creationId xmlns:a16="http://schemas.microsoft.com/office/drawing/2014/main" id="{90431500-6C1B-460F-A128-8BABEBA1D4FA}"/>
+              </a:ext>
+            </a:extLst>
+          </p:cNvPr>
+          <p:cNvPicPr>
+            <a:picLocks noChangeAspect="1" noChangeArrowheads="1"/>
+          </p:cNvPicPr>
+          <p:nvPr/>
+        </p:nvPicPr>
+        <p:blipFill>
+          <a:blip r:embed="rId4">
+            <a:extLst>
+              <a:ext uri="{28A0092B-C50C-407E-A947-70E740481C1C}">
+                <a14:useLocalDpi xmlns:a14="http://schemas.microsoft.com/office/drawing/2010/main" val="0"/>
+              </a:ext>
+            </a:extLst>
+          </a:blip>
+          <a:srcRect/>
+          <a:stretch>
+            <a:fillRect/>
+          </a:stretch>
+        </p:blipFill>
+        <p:spPr bwMode="auto">
+          <a:xfrm>
+            <a:off x="8699956" y="4438753"/>
+            <a:ext cx="2378098" cy="1189049"/>
+          </a:xfrm>
+          <a:prstGeom prst="rect">
+            <a:avLst/>
+          </a:prstGeom>
+          <a:noFill/>
+          <a:extLst>
+            <a:ext uri="{909E8E84-426E-40DD-AFC4-6F175D3DCCD1}">
+              <a14:hiddenFill xmlns:a14="http://schemas.microsoft.com/office/drawing/2010/main">
+                <a:solidFill>
+                  <a:srgbClr val="FFFFFF"/>
+                </a:solidFill>
+              </a14:hiddenFill>
+            </a:ext>
+          </a:extLst>
+        </p:spPr>
+      </p:pic>
     </p:spTree>
     <p:extLst>
       <p:ext uri="{BB962C8B-B14F-4D97-AF65-F5344CB8AC3E}">
@@ -4053,7 +4241,12 @@
             <p:ph idx="1"/>
           </p:nvPr>
         </p:nvSpPr>
-        <p:spPr/>
+        <p:spPr>
+          <a:xfrm>
+            <a:off x="838200" y="1825625"/>
+            <a:ext cx="5025081" cy="4351338"/>
+          </a:xfrm>
+        </p:spPr>
         <p:txBody>
           <a:bodyPr/>
           <a:lstStyle/>
@@ -4075,43 +4268,79 @@
               </a:rPr>
               <a:t>Firebase</a:t>
             </a:r>
-            <a:endParaRPr lang="ru-RU" dirty="0">
-              <a:latin typeface="Times New Roman" panose="02020603050405020304" pitchFamily="18" charset="0"/>
-              <a:cs typeface="Times New Roman" panose="02020603050405020304" pitchFamily="18" charset="0"/>
-            </a:endParaRPr>
-          </a:p>
-        </p:txBody>
-      </p:sp>
-      <p:pic>
-        <p:nvPicPr>
-          <p:cNvPr id="5" name="Рисунок 4">
-            <a:extLst>
-              <a:ext uri="{FF2B5EF4-FFF2-40B4-BE49-F238E27FC236}">
-                <a16:creationId xmlns:a16="http://schemas.microsoft.com/office/drawing/2014/main" id="{6BE135CA-7181-4547-BC3C-8CD21C665A02}"/>
-              </a:ext>
-            </a:extLst>
-          </p:cNvPr>
-          <p:cNvPicPr>
-            <a:picLocks noChangeAspect="1"/>
-          </p:cNvPicPr>
-          <p:nvPr/>
-        </p:nvPicPr>
-        <p:blipFill>
-          <a:blip r:embed="rId2"/>
-          <a:stretch>
-            <a:fillRect/>
-          </a:stretch>
-        </p:blipFill>
-        <p:spPr>
-          <a:xfrm>
-            <a:off x="838200" y="2759628"/>
-            <a:ext cx="9038968" cy="2979485"/>
-          </a:xfrm>
-          <a:prstGeom prst="rect">
-            <a:avLst/>
-          </a:prstGeom>
-        </p:spPr>
-      </p:pic>
+            <a:r>
+              <a:rPr lang="ru-RU" dirty="0">
+                <a:latin typeface="Times New Roman" panose="02020603050405020304" pitchFamily="18" charset="0"/>
+                <a:cs typeface="Times New Roman" panose="02020603050405020304" pitchFamily="18" charset="0"/>
+              </a:rPr>
+              <a:t>.</a:t>
+            </a:r>
+          </a:p>
+        </p:txBody>
+      </p:sp>
+      <p:graphicFrame>
+        <p:nvGraphicFramePr>
+          <p:cNvPr id="7" name="Объект 6">
+            <a:extLst>
+              <a:ext uri="{FF2B5EF4-FFF2-40B4-BE49-F238E27FC236}">
+                <a16:creationId xmlns:a16="http://schemas.microsoft.com/office/drawing/2014/main" id="{DABF7C26-D596-4E9B-94F7-69EB5BD78ACD}"/>
+              </a:ext>
+            </a:extLst>
+          </p:cNvPr>
+          <p:cNvGraphicFramePr>
+            <a:graphicFrameLocks noChangeAspect="1"/>
+          </p:cNvGraphicFramePr>
+          <p:nvPr>
+            <p:extLst>
+              <p:ext uri="{D42A27DB-BD31-4B8C-83A1-F6EECF244321}">
+                <p14:modId xmlns:p14="http://schemas.microsoft.com/office/powerpoint/2010/main" val="2224668041"/>
+              </p:ext>
+            </p:extLst>
+          </p:nvPr>
+        </p:nvGraphicFramePr>
+        <p:xfrm>
+          <a:off x="5814156" y="1453935"/>
+          <a:ext cx="5455877" cy="3950129"/>
+        </p:xfrm>
+        <a:graphic>
+          <a:graphicData uri="http://schemas.openxmlformats.org/presentationml/2006/ole">
+            <mc:AlternateContent xmlns:mc="http://schemas.openxmlformats.org/markup-compatibility/2006">
+              <mc:Choice xmlns:v="urn:schemas-microsoft-com:vml" Requires="v">
+                <p:oleObj spid="_x0000_s4102" r:id="rId3" imgW="16215840" imgH="11733120" progId="">
+                  <p:embed/>
+                </p:oleObj>
+              </mc:Choice>
+              <mc:Fallback>
+                <p:oleObj r:id="rId3" imgW="16215840" imgH="11733120" progId="">
+                  <p:embed/>
+                  <p:pic>
+                    <p:nvPicPr>
+                      <p:cNvPr id="0" name=""/>
+                      <p:cNvPicPr/>
+                      <p:nvPr/>
+                    </p:nvPicPr>
+                    <p:blipFill>
+                      <a:blip r:embed="rId4"/>
+                      <a:stretch>
+                        <a:fillRect/>
+                      </a:stretch>
+                    </p:blipFill>
+                    <p:spPr>
+                      <a:xfrm>
+                        <a:off x="5814156" y="1453935"/>
+                        <a:ext cx="5455877" cy="3950129"/>
+                      </a:xfrm>
+                      <a:prstGeom prst="rect">
+                        <a:avLst/>
+                      </a:prstGeom>
+                    </p:spPr>
+                  </p:pic>
+                </p:oleObj>
+              </mc:Fallback>
+            </mc:AlternateContent>
+          </a:graphicData>
+        </a:graphic>
+      </p:graphicFrame>
     </p:spTree>
     <p:extLst>
       <p:ext uri="{BB962C8B-B14F-4D97-AF65-F5344CB8AC3E}">
@@ -4189,32 +4418,219 @@
             <p:ph idx="1"/>
           </p:nvPr>
         </p:nvSpPr>
-        <p:spPr/>
-        <p:txBody>
-          <a:bodyPr/>
-          <a:lstStyle/>
-          <a:p>
-            <a:r>
-              <a:rPr lang="ru-RU" dirty="0"/>
+        <p:spPr>
+          <a:xfrm>
+            <a:off x="838200" y="1924480"/>
+            <a:ext cx="6148079" cy="2925547"/>
+          </a:xfrm>
+        </p:spPr>
+        <p:txBody>
+          <a:bodyPr/>
+          <a:lstStyle/>
+          <a:p>
+            <a:r>
+              <a:rPr lang="ru-RU" dirty="0">
+                <a:latin typeface="Times New Roman" panose="02020603050405020304" pitchFamily="18" charset="0"/>
+                <a:cs typeface="Times New Roman" panose="02020603050405020304" pitchFamily="18" charset="0"/>
+              </a:rPr>
               <a:t>Загрузка видео</a:t>
             </a:r>
-          </a:p>
-          <a:p>
-            <a:r>
-              <a:rPr lang="ru-RU" dirty="0"/>
+            <a:endParaRPr lang="en-US" dirty="0">
+              <a:latin typeface="Times New Roman" panose="02020603050405020304" pitchFamily="18" charset="0"/>
+              <a:cs typeface="Times New Roman" panose="02020603050405020304" pitchFamily="18" charset="0"/>
+            </a:endParaRPr>
+          </a:p>
+          <a:p>
+            <a:endParaRPr lang="ru-RU" dirty="0">
+              <a:latin typeface="Times New Roman" panose="02020603050405020304" pitchFamily="18" charset="0"/>
+              <a:cs typeface="Times New Roman" panose="02020603050405020304" pitchFamily="18" charset="0"/>
+            </a:endParaRPr>
+          </a:p>
+          <a:p>
+            <a:r>
+              <a:rPr lang="ru-RU" dirty="0">
+                <a:latin typeface="Times New Roman" panose="02020603050405020304" pitchFamily="18" charset="0"/>
+                <a:cs typeface="Times New Roman" panose="02020603050405020304" pitchFamily="18" charset="0"/>
+              </a:rPr>
               <a:t>Регистрация</a:t>
             </a:r>
             <a:r>
-              <a:rPr lang="en-US" dirty="0"/>
+              <a:rPr lang="en-US" dirty="0">
+                <a:latin typeface="Times New Roman" panose="02020603050405020304" pitchFamily="18" charset="0"/>
+                <a:cs typeface="Times New Roman" panose="02020603050405020304" pitchFamily="18" charset="0"/>
+              </a:rPr>
               <a:t>/</a:t>
             </a:r>
             <a:r>
-              <a:rPr lang="ru-RU" dirty="0"/>
+              <a:rPr lang="ru-RU" dirty="0">
+                <a:latin typeface="Times New Roman" panose="02020603050405020304" pitchFamily="18" charset="0"/>
+                <a:cs typeface="Times New Roman" panose="02020603050405020304" pitchFamily="18" charset="0"/>
+              </a:rPr>
               <a:t>авторизация аккаунта</a:t>
             </a:r>
-          </a:p>
-        </p:txBody>
-      </p:sp>
+            <a:endParaRPr lang="en-US" dirty="0">
+              <a:latin typeface="Times New Roman" panose="02020603050405020304" pitchFamily="18" charset="0"/>
+              <a:cs typeface="Times New Roman" panose="02020603050405020304" pitchFamily="18" charset="0"/>
+            </a:endParaRPr>
+          </a:p>
+          <a:p>
+            <a:endParaRPr lang="ru-RU" dirty="0">
+              <a:latin typeface="Times New Roman" panose="02020603050405020304" pitchFamily="18" charset="0"/>
+              <a:cs typeface="Times New Roman" panose="02020603050405020304" pitchFamily="18" charset="0"/>
+            </a:endParaRPr>
+          </a:p>
+          <a:p>
+            <a:r>
+              <a:rPr lang="ru-RU" dirty="0">
+                <a:latin typeface="Times New Roman" panose="02020603050405020304" pitchFamily="18" charset="0"/>
+                <a:cs typeface="Times New Roman" panose="02020603050405020304" pitchFamily="18" charset="0"/>
+              </a:rPr>
+              <a:t>Добавление видеоролика в избранное</a:t>
+            </a:r>
+          </a:p>
+        </p:txBody>
+      </p:sp>
+      <p:pic>
+        <p:nvPicPr>
+          <p:cNvPr id="5124" name="Picture 4" descr="иконка загрузить файл ПНГ на Прозрачном Фоне • Скачать PNG иконка загрузить  файл">
+            <a:extLst>
+              <a:ext uri="{FF2B5EF4-FFF2-40B4-BE49-F238E27FC236}">
+                <a16:creationId xmlns:a16="http://schemas.microsoft.com/office/drawing/2014/main" id="{BC395A07-09A3-44B7-B5D8-28F2C0E0C063}"/>
+              </a:ext>
+            </a:extLst>
+          </p:cNvPr>
+          <p:cNvPicPr>
+            <a:picLocks noChangeAspect="1" noChangeArrowheads="1"/>
+          </p:cNvPicPr>
+          <p:nvPr/>
+        </p:nvPicPr>
+        <p:blipFill>
+          <a:blip r:embed="rId2">
+            <a:extLst>
+              <a:ext uri="{28A0092B-C50C-407E-A947-70E740481C1C}">
+                <a14:useLocalDpi xmlns:a14="http://schemas.microsoft.com/office/drawing/2010/main" val="0"/>
+              </a:ext>
+            </a:extLst>
+          </a:blip>
+          <a:srcRect/>
+          <a:stretch>
+            <a:fillRect/>
+          </a:stretch>
+        </p:blipFill>
+        <p:spPr bwMode="auto">
+          <a:xfrm>
+            <a:off x="3482725" y="1545929"/>
+            <a:ext cx="953872" cy="953872"/>
+          </a:xfrm>
+          <a:prstGeom prst="rect">
+            <a:avLst/>
+          </a:prstGeom>
+          <a:noFill/>
+          <a:extLst>
+            <a:ext uri="{909E8E84-426E-40DD-AFC4-6F175D3DCCD1}">
+              <a14:hiddenFill xmlns:a14="http://schemas.microsoft.com/office/drawing/2010/main">
+                <a:solidFill>
+                  <a:srgbClr val="FFFFFF"/>
+                </a:solidFill>
+              </a14:hiddenFill>
+            </a:ext>
+          </a:extLst>
+        </p:spPr>
+      </p:pic>
+      <p:pic>
+        <p:nvPicPr>
+          <p:cNvPr id="5126" name="Picture 6" descr="Авторизоваться – Бесплатные иконки: безопасность">
+            <a:extLst>
+              <a:ext uri="{FF2B5EF4-FFF2-40B4-BE49-F238E27FC236}">
+                <a16:creationId xmlns:a16="http://schemas.microsoft.com/office/drawing/2014/main" id="{DC10A03B-0D87-40EE-9E95-FC8F4A884A63}"/>
+              </a:ext>
+            </a:extLst>
+          </p:cNvPr>
+          <p:cNvPicPr>
+            <a:picLocks noChangeAspect="1" noChangeArrowheads="1"/>
+          </p:cNvPicPr>
+          <p:nvPr/>
+        </p:nvPicPr>
+        <p:blipFill>
+          <a:blip r:embed="rId3">
+            <a:extLst>
+              <a:ext uri="{28A0092B-C50C-407E-A947-70E740481C1C}">
+                <a14:useLocalDpi xmlns:a14="http://schemas.microsoft.com/office/drawing/2010/main" val="0"/>
+              </a:ext>
+            </a:extLst>
+          </a:blip>
+          <a:srcRect/>
+          <a:stretch>
+            <a:fillRect/>
+          </a:stretch>
+        </p:blipFill>
+        <p:spPr bwMode="auto">
+          <a:xfrm>
+            <a:off x="6631045" y="2644523"/>
+            <a:ext cx="940165" cy="940165"/>
+          </a:xfrm>
+          <a:prstGeom prst="rect">
+            <a:avLst/>
+          </a:prstGeom>
+          <a:noFill/>
+          <a:extLst>
+            <a:ext uri="{909E8E84-426E-40DD-AFC4-6F175D3DCCD1}">
+              <a14:hiddenFill xmlns:a14="http://schemas.microsoft.com/office/drawing/2010/main">
+                <a:solidFill>
+                  <a:srgbClr val="FFFFFF"/>
+                </a:solidFill>
+              </a14:hiddenFill>
+            </a:ext>
+          </a:extLst>
+        </p:spPr>
+      </p:pic>
+      <p:pic>
+        <p:nvPicPr>
+          <p:cNvPr id="5128" name="Picture 8" descr="Избранное – Бесплатные иконки: формы">
+            <a:extLst>
+              <a:ext uri="{FF2B5EF4-FFF2-40B4-BE49-F238E27FC236}">
+                <a16:creationId xmlns:a16="http://schemas.microsoft.com/office/drawing/2014/main" id="{219A66FD-12E9-46CA-B532-9F03630EAC89}"/>
+              </a:ext>
+            </a:extLst>
+          </p:cNvPr>
+          <p:cNvPicPr>
+            <a:picLocks noChangeAspect="1" noChangeArrowheads="1"/>
+          </p:cNvPicPr>
+          <p:nvPr/>
+        </p:nvPicPr>
+        <p:blipFill>
+          <a:blip r:embed="rId4">
+            <a:extLst>
+              <a:ext uri="{28A0092B-C50C-407E-A947-70E740481C1C}">
+                <a14:useLocalDpi xmlns:a14="http://schemas.microsoft.com/office/drawing/2010/main" val="0"/>
+              </a:ext>
+            </a:extLst>
+          </a:blip>
+          <a:srcRect/>
+          <a:stretch>
+            <a:fillRect/>
+          </a:stretch>
+        </p:blipFill>
+        <p:spPr bwMode="auto">
+          <a:xfrm>
+            <a:off x="6881024" y="3684778"/>
+            <a:ext cx="1071734" cy="1071734"/>
+          </a:xfrm>
+          <a:prstGeom prst="rect">
+            <a:avLst/>
+          </a:prstGeom>
+          <a:noFill/>
+          <a:extLst>
+            <a:ext uri="{909E8E84-426E-40DD-AFC4-6F175D3DCCD1}">
+              <a14:hiddenFill xmlns:a14="http://schemas.microsoft.com/office/drawing/2010/main">
+                <a:solidFill>
+                  <a:srgbClr val="FFFFFF"/>
+                </a:solidFill>
+              </a14:hiddenFill>
+            </a:ext>
+          </a:extLst>
+        </p:spPr>
+      </p:pic>
     </p:spTree>
     <p:extLst>
       <p:ext uri="{BB962C8B-B14F-4D97-AF65-F5344CB8AC3E}">
@@ -4276,43 +4692,12 @@
           </a:p>
         </p:txBody>
       </p:sp>
-      <p:sp>
-        <p:nvSpPr>
-          <p:cNvPr id="3" name="Объект 2">
-            <a:extLst>
-              <a:ext uri="{FF2B5EF4-FFF2-40B4-BE49-F238E27FC236}">
-                <a16:creationId xmlns:a16="http://schemas.microsoft.com/office/drawing/2014/main" id="{488452AD-82D0-4009-97C5-5660E622B1F6}"/>
-              </a:ext>
-            </a:extLst>
-          </p:cNvPr>
-          <p:cNvSpPr>
-            <a:spLocks noGrp="1"/>
-          </p:cNvSpPr>
-          <p:nvPr>
-            <p:ph idx="1"/>
-          </p:nvPr>
-        </p:nvSpPr>
-        <p:spPr/>
-        <p:txBody>
-          <a:bodyPr/>
-          <a:lstStyle/>
-          <a:p>
-            <a:pPr marL="0" indent="0">
-              <a:buNone/>
-            </a:pPr>
-            <a:r>
-              <a:rPr lang="ru-RU" dirty="0"/>
-              <a:t>Загрузочный экран:</a:t>
-            </a:r>
-          </a:p>
-        </p:txBody>
-      </p:sp>
       <p:pic>
         <p:nvPicPr>
-          <p:cNvPr id="5" name="Рисунок 4">
-            <a:extLst>
-              <a:ext uri="{FF2B5EF4-FFF2-40B4-BE49-F238E27FC236}">
-                <a16:creationId xmlns:a16="http://schemas.microsoft.com/office/drawing/2014/main" id="{5207A9AE-04DF-48B8-99C8-BB53B9206C46}"/>
+          <p:cNvPr id="6" name="Рисунок 5">
+            <a:extLst>
+              <a:ext uri="{FF2B5EF4-FFF2-40B4-BE49-F238E27FC236}">
+                <a16:creationId xmlns:a16="http://schemas.microsoft.com/office/drawing/2014/main" id="{715D8DA3-AA8A-4857-BD84-759B7A623E3F}"/>
               </a:ext>
             </a:extLst>
           </p:cNvPr>
@@ -4322,21 +4707,15 @@
           <p:nvPr/>
         </p:nvPicPr>
         <p:blipFill>
-          <a:blip r:embed="rId2">
-            <a:extLst>
-              <a:ext uri="{28A0092B-C50C-407E-A947-70E740481C1C}">
-                <a14:useLocalDpi xmlns:a14="http://schemas.microsoft.com/office/drawing/2010/main" val="0"/>
-              </a:ext>
-            </a:extLst>
-          </a:blip>
+          <a:blip r:embed="rId2"/>
           <a:stretch>
             <a:fillRect/>
           </a:stretch>
         </p:blipFill>
         <p:spPr>
           <a:xfrm>
-            <a:off x="6703026" y="428482"/>
-            <a:ext cx="2700466" cy="6001035"/>
+            <a:off x="1533868" y="1430235"/>
+            <a:ext cx="9124264" cy="4645731"/>
           </a:xfrm>
           <a:prstGeom prst="rect">
             <a:avLst/>
@@ -4346,7 +4725,7 @@
     </p:spTree>
     <p:extLst>
       <p:ext uri="{BB962C8B-B14F-4D97-AF65-F5344CB8AC3E}">
-        <p14:creationId xmlns:p14="http://schemas.microsoft.com/office/powerpoint/2010/main" val="1896934305"/>
+        <p14:creationId xmlns:p14="http://schemas.microsoft.com/office/powerpoint/2010/main" val="3429080189"/>
       </p:ext>
     </p:extLst>
   </p:cSld>
@@ -4375,72 +4754,109 @@
       </p:grpSpPr>
       <p:sp>
         <p:nvSpPr>
-          <p:cNvPr id="2" name="Заголовок 1">
-            <a:extLst>
-              <a:ext uri="{FF2B5EF4-FFF2-40B4-BE49-F238E27FC236}">
-                <a16:creationId xmlns:a16="http://schemas.microsoft.com/office/drawing/2014/main" id="{B4C74FBA-F0E9-4BBA-BA8E-462E11361E3B}"/>
-              </a:ext>
-            </a:extLst>
-          </p:cNvPr>
-          <p:cNvSpPr>
-            <a:spLocks noGrp="1"/>
-          </p:cNvSpPr>
-          <p:nvPr>
-            <p:ph type="title"/>
-          </p:nvPr>
-        </p:nvSpPr>
-        <p:spPr/>
-        <p:txBody>
-          <a:bodyPr/>
-          <a:lstStyle/>
-          <a:p>
+          <p:cNvPr id="8" name="TextBox 7">
+            <a:extLst>
+              <a:ext uri="{FF2B5EF4-FFF2-40B4-BE49-F238E27FC236}">
+                <a16:creationId xmlns:a16="http://schemas.microsoft.com/office/drawing/2014/main" id="{9CF31AEC-D9D2-4C5D-BB58-00DB69FD4079}"/>
+              </a:ext>
+            </a:extLst>
+          </p:cNvPr>
+          <p:cNvSpPr txBox="1"/>
+          <p:nvPr/>
+        </p:nvSpPr>
+        <p:spPr>
+          <a:xfrm>
+            <a:off x="2015180" y="1613623"/>
+            <a:ext cx="8161638" cy="1446550"/>
+          </a:xfrm>
+          <a:prstGeom prst="rect">
+            <a:avLst/>
+          </a:prstGeom>
+          <a:noFill/>
+        </p:spPr>
+        <p:txBody>
+          <a:bodyPr wrap="square" rtlCol="0">
+            <a:spAutoFit/>
+          </a:bodyPr>
+          <a:lstStyle/>
+          <a:p>
+            <a:pPr algn="ctr"/>
+            <a:r>
+              <a:rPr lang="ru-RU" sz="4400" b="1" dirty="0">
+                <a:latin typeface="Times New Roman" panose="02020603050405020304" pitchFamily="18" charset="0"/>
+                <a:cs typeface="Times New Roman" panose="02020603050405020304" pitchFamily="18" charset="0"/>
+              </a:rPr>
+              <a:t>Разработка мобильной версии видеохостинга</a:t>
+            </a:r>
+            <a:endParaRPr lang="ru-RU" sz="4400" b="1" dirty="0"/>
+          </a:p>
+        </p:txBody>
+      </p:sp>
+      <p:sp>
+        <p:nvSpPr>
+          <p:cNvPr id="9" name="TextBox 8">
+            <a:extLst>
+              <a:ext uri="{FF2B5EF4-FFF2-40B4-BE49-F238E27FC236}">
+                <a16:creationId xmlns:a16="http://schemas.microsoft.com/office/drawing/2014/main" id="{2ABE06EA-6CD0-42D2-AD17-2D0F1CA44319}"/>
+              </a:ext>
+            </a:extLst>
+          </p:cNvPr>
+          <p:cNvSpPr txBox="1"/>
+          <p:nvPr/>
+        </p:nvSpPr>
+        <p:spPr>
+          <a:xfrm>
+            <a:off x="7648832" y="5104129"/>
+            <a:ext cx="4232189" cy="923330"/>
+          </a:xfrm>
+          <a:prstGeom prst="rect">
+            <a:avLst/>
+          </a:prstGeom>
+          <a:noFill/>
+        </p:spPr>
+        <p:txBody>
+          <a:bodyPr wrap="square" rtlCol="0">
+            <a:spAutoFit/>
+          </a:bodyPr>
+          <a:lstStyle/>
+          <a:p>
+            <a:pPr algn="r"/>
             <a:r>
               <a:rPr lang="ru-RU" dirty="0">
                 <a:latin typeface="Times New Roman" panose="02020603050405020304" pitchFamily="18" charset="0"/>
                 <a:cs typeface="Times New Roman" panose="02020603050405020304" pitchFamily="18" charset="0"/>
               </a:rPr>
-              <a:t>Макет</a:t>
-            </a:r>
-          </a:p>
-        </p:txBody>
-      </p:sp>
-      <p:sp>
-        <p:nvSpPr>
-          <p:cNvPr id="3" name="Объект 2">
-            <a:extLst>
-              <a:ext uri="{FF2B5EF4-FFF2-40B4-BE49-F238E27FC236}">
-                <a16:creationId xmlns:a16="http://schemas.microsoft.com/office/drawing/2014/main" id="{488452AD-82D0-4009-97C5-5660E622B1F6}"/>
-              </a:ext>
-            </a:extLst>
-          </p:cNvPr>
-          <p:cNvSpPr>
-            <a:spLocks noGrp="1"/>
-          </p:cNvSpPr>
-          <p:nvPr>
-            <p:ph idx="1"/>
-          </p:nvPr>
-        </p:nvSpPr>
-        <p:spPr/>
-        <p:txBody>
-          <a:bodyPr/>
-          <a:lstStyle/>
-          <a:p>
-            <a:pPr marL="0" indent="0">
-              <a:buNone/>
-            </a:pPr>
-            <a:r>
-              <a:rPr lang="ru-RU" dirty="0"/>
-              <a:t>Главный экран:</a:t>
+              <a:t>Разработал студент:</a:t>
+            </a:r>
+          </a:p>
+          <a:p>
+            <a:pPr algn="r"/>
+            <a:r>
+              <a:rPr lang="ru-RU" dirty="0">
+                <a:latin typeface="Times New Roman" panose="02020603050405020304" pitchFamily="18" charset="0"/>
+                <a:cs typeface="Times New Roman" panose="02020603050405020304" pitchFamily="18" charset="0"/>
+              </a:rPr>
+              <a:t>2 курса группы ПР-21.106</a:t>
+            </a:r>
+          </a:p>
+          <a:p>
+            <a:pPr algn="r"/>
+            <a:r>
+              <a:rPr lang="ru-RU" dirty="0">
+                <a:latin typeface="Times New Roman" panose="02020603050405020304" pitchFamily="18" charset="0"/>
+                <a:cs typeface="Times New Roman" panose="02020603050405020304" pitchFamily="18" charset="0"/>
+              </a:rPr>
+              <a:t>Шестаков И.В.</a:t>
             </a:r>
           </a:p>
         </p:txBody>
       </p:sp>
       <p:pic>
         <p:nvPicPr>
-          <p:cNvPr id="7" name="Рисунок 6">
-            <a:extLst>
-              <a:ext uri="{FF2B5EF4-FFF2-40B4-BE49-F238E27FC236}">
-                <a16:creationId xmlns:a16="http://schemas.microsoft.com/office/drawing/2014/main" id="{B34849BA-9EA4-4AA4-B44C-7BCEDAA0BF9A}"/>
+          <p:cNvPr id="13" name="Рисунок 12">
+            <a:extLst>
+              <a:ext uri="{FF2B5EF4-FFF2-40B4-BE49-F238E27FC236}">
+                <a16:creationId xmlns:a16="http://schemas.microsoft.com/office/drawing/2014/main" id="{3E0E9A8B-64EB-41D2-B605-72A44031DCFF}"/>
               </a:ext>
             </a:extLst>
           </p:cNvPr>
@@ -4457,190 +4873,99 @@
         </p:blipFill>
         <p:spPr>
           <a:xfrm>
-            <a:off x="6578272" y="990259"/>
-            <a:ext cx="2248214" cy="4877481"/>
+            <a:off x="3114888" y="3214280"/>
+            <a:ext cx="5962223" cy="1889849"/>
           </a:xfrm>
           <a:prstGeom prst="rect">
             <a:avLst/>
           </a:prstGeom>
         </p:spPr>
       </p:pic>
-    </p:spTree>
-    <p:extLst>
-      <p:ext uri="{BB962C8B-B14F-4D97-AF65-F5344CB8AC3E}">
-        <p14:creationId xmlns:p14="http://schemas.microsoft.com/office/powerpoint/2010/main" val="3244283913"/>
-      </p:ext>
-    </p:extLst>
-  </p:cSld>
-  <p:clrMapOvr>
-    <a:masterClrMapping/>
-  </p:clrMapOvr>
-</p:sld>
-</file>
-
-<file path=ppt/slides/slide9.xml><?xml version="1.0" encoding="utf-8"?>
-<p:sld xmlns:a="http://schemas.openxmlformats.org/drawingml/2006/main" xmlns:r="http://schemas.openxmlformats.org/officeDocument/2006/relationships" xmlns:p="http://schemas.openxmlformats.org/presentationml/2006/main">
-  <p:cSld>
-    <p:spTree>
-      <p:nvGrpSpPr>
-        <p:cNvPr id="1" name=""/>
-        <p:cNvGrpSpPr/>
-        <p:nvPr/>
-      </p:nvGrpSpPr>
-      <p:grpSpPr>
-        <a:xfrm>
-          <a:off x="0" y="0"/>
-          <a:ext cx="0" cy="0"/>
-          <a:chOff x="0" y="0"/>
-          <a:chExt cx="0" cy="0"/>
-        </a:xfrm>
-      </p:grpSpPr>
-      <p:sp>
-        <p:nvSpPr>
-          <p:cNvPr id="2" name="Заголовок 1">
-            <a:extLst>
-              <a:ext uri="{FF2B5EF4-FFF2-40B4-BE49-F238E27FC236}">
-                <a16:creationId xmlns:a16="http://schemas.microsoft.com/office/drawing/2014/main" id="{B4C74FBA-F0E9-4BBA-BA8E-462E11361E3B}"/>
-              </a:ext>
-            </a:extLst>
-          </p:cNvPr>
-          <p:cNvSpPr>
-            <a:spLocks noGrp="1"/>
-          </p:cNvSpPr>
-          <p:nvPr>
-            <p:ph type="title"/>
-          </p:nvPr>
-        </p:nvSpPr>
-        <p:spPr/>
-        <p:txBody>
-          <a:bodyPr/>
-          <a:lstStyle/>
-          <a:p>
-            <a:r>
-              <a:rPr lang="ru-RU" dirty="0">
-                <a:latin typeface="Times New Roman" panose="02020603050405020304" pitchFamily="18" charset="0"/>
-                <a:cs typeface="Times New Roman" panose="02020603050405020304" pitchFamily="18" charset="0"/>
-              </a:rPr>
-              <a:t>Макет</a:t>
-            </a:r>
-          </a:p>
-        </p:txBody>
-      </p:sp>
-      <p:sp>
-        <p:nvSpPr>
-          <p:cNvPr id="3" name="Объект 2">
-            <a:extLst>
-              <a:ext uri="{FF2B5EF4-FFF2-40B4-BE49-F238E27FC236}">
-                <a16:creationId xmlns:a16="http://schemas.microsoft.com/office/drawing/2014/main" id="{488452AD-82D0-4009-97C5-5660E622B1F6}"/>
-              </a:ext>
-            </a:extLst>
-          </p:cNvPr>
-          <p:cNvSpPr>
-            <a:spLocks noGrp="1"/>
-          </p:cNvSpPr>
-          <p:nvPr>
-            <p:ph idx="1"/>
-          </p:nvPr>
-        </p:nvSpPr>
-        <p:spPr/>
-        <p:txBody>
-          <a:bodyPr/>
-          <a:lstStyle/>
-          <a:p>
-            <a:pPr marL="0" indent="0">
-              <a:buNone/>
-            </a:pPr>
-            <a:r>
-              <a:rPr lang="ru-RU" dirty="0"/>
-              <a:t>Экран авторизации</a:t>
-            </a:r>
-            <a:r>
-              <a:rPr lang="en-US" dirty="0"/>
-              <a:t>/</a:t>
-            </a:r>
-            <a:r>
-              <a:rPr lang="ru-RU" dirty="0"/>
-              <a:t>регистрации:</a:t>
-            </a:r>
-          </a:p>
-        </p:txBody>
-      </p:sp>
-      <p:pic>
-        <p:nvPicPr>
-          <p:cNvPr id="7" name="Рисунок 6">
-            <a:extLst>
-              <a:ext uri="{FF2B5EF4-FFF2-40B4-BE49-F238E27FC236}">
-                <a16:creationId xmlns:a16="http://schemas.microsoft.com/office/drawing/2014/main" id="{946707C7-E0AE-46CE-9812-7AED17DF8F43}"/>
-              </a:ext>
-            </a:extLst>
-          </p:cNvPr>
-          <p:cNvPicPr>
-            <a:picLocks noChangeAspect="1"/>
-          </p:cNvPicPr>
+      <p:sp>
+        <p:nvSpPr>
+          <p:cNvPr id="6" name="TextBox 5">
+            <a:extLst>
+              <a:ext uri="{FF2B5EF4-FFF2-40B4-BE49-F238E27FC236}">
+                <a16:creationId xmlns:a16="http://schemas.microsoft.com/office/drawing/2014/main" id="{FA091650-727B-49AE-AB74-0F1A2584E2AA}"/>
+              </a:ext>
+            </a:extLst>
+          </p:cNvPr>
+          <p:cNvSpPr txBox="1"/>
           <p:nvPr/>
-        </p:nvPicPr>
-        <p:blipFill>
-          <a:blip r:embed="rId2">
-            <a:extLst>
-              <a:ext uri="{28A0092B-C50C-407E-A947-70E740481C1C}">
-                <a14:useLocalDpi xmlns:a14="http://schemas.microsoft.com/office/drawing/2010/main" val="0"/>
-              </a:ext>
-            </a:extLst>
-          </a:blip>
-          <a:stretch>
-            <a:fillRect/>
-          </a:stretch>
-        </p:blipFill>
+        </p:nvSpPr>
         <p:spPr>
           <a:xfrm>
-            <a:off x="9038451" y="565772"/>
-            <a:ext cx="2576905" cy="5726455"/>
+            <a:off x="3048548" y="370703"/>
+            <a:ext cx="6094902" cy="923330"/>
           </a:xfrm>
           <a:prstGeom prst="rect">
             <a:avLst/>
           </a:prstGeom>
+          <a:noFill/>
         </p:spPr>
-      </p:pic>
-      <p:pic>
-        <p:nvPicPr>
-          <p:cNvPr id="9" name="Рисунок 8">
-            <a:extLst>
-              <a:ext uri="{FF2B5EF4-FFF2-40B4-BE49-F238E27FC236}">
-                <a16:creationId xmlns:a16="http://schemas.microsoft.com/office/drawing/2014/main" id="{212A9B82-12B6-4850-873B-B26476225E70}"/>
-              </a:ext>
-            </a:extLst>
-          </p:cNvPr>
-          <p:cNvPicPr>
-            <a:picLocks noChangeAspect="1"/>
-          </p:cNvPicPr>
+        <p:txBody>
+          <a:bodyPr wrap="square">
+            <a:spAutoFit/>
+          </a:bodyPr>
+          <a:lstStyle/>
+          <a:p>
+            <a:pPr algn="ctr"/>
+            <a:r>
+              <a:rPr lang="ru-RU" b="0" i="0" dirty="0">
+                <a:effectLst/>
+                <a:latin typeface="Times New Roman" panose="02020603050405020304" pitchFamily="18" charset="0"/>
+                <a:cs typeface="Times New Roman" panose="02020603050405020304" pitchFamily="18" charset="0"/>
+              </a:rPr>
+              <a:t>Министерство образования Новосибирской области ГБПОУ НСО «Новосибирский авиационный технический колледж имени Б. С. Галущака»</a:t>
+            </a:r>
+            <a:endParaRPr lang="ru-RU" dirty="0">
+              <a:latin typeface="Times New Roman" panose="02020603050405020304" pitchFamily="18" charset="0"/>
+              <a:cs typeface="Times New Roman" panose="02020603050405020304" pitchFamily="18" charset="0"/>
+            </a:endParaRPr>
+          </a:p>
+        </p:txBody>
+      </p:sp>
+      <p:sp>
+        <p:nvSpPr>
+          <p:cNvPr id="3" name="TextBox 2">
+            <a:extLst>
+              <a:ext uri="{FF2B5EF4-FFF2-40B4-BE49-F238E27FC236}">
+                <a16:creationId xmlns:a16="http://schemas.microsoft.com/office/drawing/2014/main" id="{6A7FE587-CE74-4E6A-9F2B-4E11ACC1803D}"/>
+              </a:ext>
+            </a:extLst>
+          </p:cNvPr>
+          <p:cNvSpPr txBox="1"/>
           <p:nvPr/>
-        </p:nvPicPr>
-        <p:blipFill>
-          <a:blip r:embed="rId3">
-            <a:extLst>
-              <a:ext uri="{28A0092B-C50C-407E-A947-70E740481C1C}">
-                <a14:useLocalDpi xmlns:a14="http://schemas.microsoft.com/office/drawing/2010/main" val="0"/>
-              </a:ext>
-            </a:extLst>
-          </a:blip>
-          <a:stretch>
-            <a:fillRect/>
-          </a:stretch>
-        </p:blipFill>
+        </p:nvSpPr>
         <p:spPr>
           <a:xfrm>
-            <a:off x="6276717" y="559143"/>
-            <a:ext cx="2582871" cy="5739714"/>
+            <a:off x="5771634" y="6302631"/>
+            <a:ext cx="648730" cy="369332"/>
           </a:xfrm>
           <a:prstGeom prst="rect">
             <a:avLst/>
           </a:prstGeom>
+          <a:noFill/>
         </p:spPr>
-      </p:pic>
+        <p:txBody>
+          <a:bodyPr wrap="square" rtlCol="0">
+            <a:spAutoFit/>
+          </a:bodyPr>
+          <a:lstStyle/>
+          <a:p>
+            <a:pPr algn="ctr"/>
+            <a:r>
+              <a:rPr lang="en-US" dirty="0"/>
+              <a:t>2023</a:t>
+            </a:r>
+            <a:endParaRPr lang="ru-RU" dirty="0"/>
+          </a:p>
+        </p:txBody>
+      </p:sp>
     </p:spTree>
     <p:extLst>
       <p:ext uri="{BB962C8B-B14F-4D97-AF65-F5344CB8AC3E}">
-        <p14:creationId xmlns:p14="http://schemas.microsoft.com/office/powerpoint/2010/main" val="910448626"/>
+        <p14:creationId xmlns:p14="http://schemas.microsoft.com/office/powerpoint/2010/main" val="4216437011"/>
       </p:ext>
     </p:extLst>
   </p:cSld>
